--- a/doc/poster_final_F&J_deel.pptx
+++ b/doc/poster_final_F&J_deel.pptx
@@ -106,7 +106,7 @@
   </p:defaultTextStyle>
   <p:extLst>
     <p:ext uri="{521415D9-36F7-43E2-AB2F-B90AF26B5E84}">
-      <p14:sectionLst xmlns="" xmlns:p14="http://schemas.microsoft.com/office/powerpoint/2010/main">
+      <p14:sectionLst xmlns:p14="http://schemas.microsoft.com/office/powerpoint/2010/main">
         <p14:section name="Naamloze sectie" id="{01810474-5217-4AD5-844D-85DDB4C4BADF}">
           <p14:sldIdLst/>
         </p14:section>
@@ -118,7 +118,7 @@
       </p14:sectionLst>
     </p:ext>
     <p:ext uri="{EFAFB233-063F-42B5-8137-9DF3F51BA10A}">
-      <p15:sldGuideLst xmlns="" xmlns:p15="http://schemas.microsoft.com/office/powerpoint/2012/main">
+      <p15:sldGuideLst xmlns:p15="http://schemas.microsoft.com/office/powerpoint/2012/main">
         <p15:guide id="1" orient="horz" pos="3368">
           <p15:clr>
             <a:srgbClr val="A4A3A4"/>
@@ -360,7 +360,7 @@
             <a:fld id="{6A910C89-C20C-48F1-8B45-659555E59ADB}" type="slidenum">
               <a:rPr lang="en-GB" smtClean="0"/>
               <a:pPr/>
-              <a:t>‹#›</a:t>
+              <a:t>‹nr.›</a:t>
             </a:fld>
             <a:endParaRPr lang="en-GB"/>
           </a:p>
@@ -527,7 +527,7 @@
             <a:fld id="{6A910C89-C20C-48F1-8B45-659555E59ADB}" type="slidenum">
               <a:rPr lang="en-GB" smtClean="0"/>
               <a:pPr/>
-              <a:t>‹#›</a:t>
+              <a:t>‹nr.›</a:t>
             </a:fld>
             <a:endParaRPr lang="en-GB"/>
           </a:p>
@@ -704,7 +704,7 @@
             <a:fld id="{6A910C89-C20C-48F1-8B45-659555E59ADB}" type="slidenum">
               <a:rPr lang="en-GB" smtClean="0"/>
               <a:pPr/>
-              <a:t>‹#›</a:t>
+              <a:t>‹nr.›</a:t>
             </a:fld>
             <a:endParaRPr lang="en-GB"/>
           </a:p>
@@ -871,7 +871,7 @@
             <a:fld id="{6A910C89-C20C-48F1-8B45-659555E59ADB}" type="slidenum">
               <a:rPr lang="en-GB" smtClean="0"/>
               <a:pPr/>
-              <a:t>‹#›</a:t>
+              <a:t>‹nr.›</a:t>
             </a:fld>
             <a:endParaRPr lang="en-GB"/>
           </a:p>
@@ -1114,7 +1114,7 @@
             <a:fld id="{6A910C89-C20C-48F1-8B45-659555E59ADB}" type="slidenum">
               <a:rPr lang="en-GB" smtClean="0"/>
               <a:pPr/>
-              <a:t>‹#›</a:t>
+              <a:t>‹nr.›</a:t>
             </a:fld>
             <a:endParaRPr lang="en-GB"/>
           </a:p>
@@ -1399,7 +1399,7 @@
             <a:fld id="{6A910C89-C20C-48F1-8B45-659555E59ADB}" type="slidenum">
               <a:rPr lang="en-GB" smtClean="0"/>
               <a:pPr/>
-              <a:t>‹#›</a:t>
+              <a:t>‹nr.›</a:t>
             </a:fld>
             <a:endParaRPr lang="en-GB"/>
           </a:p>
@@ -1823,7 +1823,7 @@
             <a:fld id="{6A910C89-C20C-48F1-8B45-659555E59ADB}" type="slidenum">
               <a:rPr lang="en-GB" smtClean="0"/>
               <a:pPr/>
-              <a:t>‹#›</a:t>
+              <a:t>‹nr.›</a:t>
             </a:fld>
             <a:endParaRPr lang="en-GB"/>
           </a:p>
@@ -1938,7 +1938,7 @@
             <a:fld id="{6A910C89-C20C-48F1-8B45-659555E59ADB}" type="slidenum">
               <a:rPr lang="en-GB" smtClean="0"/>
               <a:pPr/>
-              <a:t>‹#›</a:t>
+              <a:t>‹nr.›</a:t>
             </a:fld>
             <a:endParaRPr lang="en-GB"/>
           </a:p>
@@ -2030,7 +2030,7 @@
             <a:fld id="{6A910C89-C20C-48F1-8B45-659555E59ADB}" type="slidenum">
               <a:rPr lang="en-GB" smtClean="0"/>
               <a:pPr/>
-              <a:t>‹#›</a:t>
+              <a:t>‹nr.›</a:t>
             </a:fld>
             <a:endParaRPr lang="en-GB"/>
           </a:p>
@@ -2304,7 +2304,7 @@
             <a:fld id="{6A910C89-C20C-48F1-8B45-659555E59ADB}" type="slidenum">
               <a:rPr lang="en-GB" smtClean="0"/>
               <a:pPr/>
-              <a:t>‹#›</a:t>
+              <a:t>‹nr.›</a:t>
             </a:fld>
             <a:endParaRPr lang="en-GB"/>
           </a:p>
@@ -2554,7 +2554,7 @@
             <a:fld id="{6A910C89-C20C-48F1-8B45-659555E59ADB}" type="slidenum">
               <a:rPr lang="en-GB" smtClean="0"/>
               <a:pPr/>
-              <a:t>‹#›</a:t>
+              <a:t>‹nr.›</a:t>
             </a:fld>
             <a:endParaRPr lang="en-GB"/>
           </a:p>
@@ -2800,7 +2800,7 @@
             <a:fld id="{6A910C89-C20C-48F1-8B45-659555E59ADB}" type="slidenum">
               <a:rPr lang="en-GB" smtClean="0"/>
               <a:pPr/>
-              <a:t>‹#›</a:t>
+              <a:t>‹nr.›</a:t>
             </a:fld>
             <a:endParaRPr lang="en-GB"/>
           </a:p>
@@ -3556,7 +3556,7 @@
         </p:blipFill>
         <p:spPr bwMode="auto">
           <a:xfrm>
-            <a:off x="24845" y="9019108"/>
+            <a:off x="24801" y="8863828"/>
             <a:ext cx="1667555" cy="1440161"/>
           </a:xfrm>
           <a:prstGeom prst="rect">
@@ -3650,7 +3650,7 @@
         </p:blipFill>
         <p:spPr bwMode="auto">
           <a:xfrm rot="20432816">
-            <a:off x="668498" y="8571271"/>
+            <a:off x="164441" y="8660991"/>
             <a:ext cx="407458" cy="407459"/>
           </a:xfrm>
           <a:prstGeom prst="rect">
@@ -3795,7 +3795,7 @@
         </p:nvSpPr>
         <p:spPr>
           <a:xfrm>
-            <a:off x="1692399" y="9091116"/>
+            <a:off x="1657837" y="8972761"/>
             <a:ext cx="933218" cy="1200329"/>
           </a:xfrm>
           <a:prstGeom prst="rect">
@@ -4023,7 +4023,7 @@
           <a:blip r:embed="rId11" cstate="print">
             <a:extLst>
               <a:ext uri="{28A0092B-C50C-407E-A947-70E740481C1C}">
-                <a14:useLocalDpi xmlns="" xmlns:a14="http://schemas.microsoft.com/office/drawing/2010/main" val="0"/>
+                <a14:useLocalDpi xmlns:a14="http://schemas.microsoft.com/office/drawing/2010/main" val="0"/>
               </a:ext>
             </a:extLst>
           </a:blip>
@@ -4107,7 +4107,7 @@
           <a:blip r:embed="rId12" cstate="print">
             <a:extLst>
               <a:ext uri="{28A0092B-C50C-407E-A947-70E740481C1C}">
-                <a14:useLocalDpi xmlns="" xmlns:a14="http://schemas.microsoft.com/office/drawing/2010/main" val="0"/>
+                <a14:useLocalDpi xmlns:a14="http://schemas.microsoft.com/office/drawing/2010/main" val="0"/>
               </a:ext>
             </a:extLst>
           </a:blip>
@@ -4137,7 +4137,7 @@
           <a:blip r:embed="rId13" cstate="print">
             <a:extLst>
               <a:ext uri="{28A0092B-C50C-407E-A947-70E740481C1C}">
-                <a14:useLocalDpi xmlns="" xmlns:a14="http://schemas.microsoft.com/office/drawing/2010/main" val="0"/>
+                <a14:useLocalDpi xmlns:a14="http://schemas.microsoft.com/office/drawing/2010/main" val="0"/>
               </a:ext>
             </a:extLst>
           </a:blip>

--- a/doc/poster_final_F&J_deel.pptx
+++ b/doc/poster_final_F&J_deel.pptx
@@ -106,7 +106,7 @@
   </p:defaultTextStyle>
   <p:extLst>
     <p:ext uri="{521415D9-36F7-43E2-AB2F-B90AF26B5E84}">
-      <p14:sectionLst xmlns:p14="http://schemas.microsoft.com/office/powerpoint/2010/main">
+      <p14:sectionLst xmlns:p14="http://schemas.microsoft.com/office/powerpoint/2010/main" xmlns="">
         <p14:section name="Naamloze sectie" id="{01810474-5217-4AD5-844D-85DDB4C4BADF}">
           <p14:sldIdLst/>
         </p14:section>
@@ -118,7 +118,7 @@
       </p14:sectionLst>
     </p:ext>
     <p:ext uri="{EFAFB233-063F-42B5-8137-9DF3F51BA10A}">
-      <p15:sldGuideLst xmlns:p15="http://schemas.microsoft.com/office/powerpoint/2012/main">
+      <p15:sldGuideLst xmlns:p15="http://schemas.microsoft.com/office/powerpoint/2012/main" xmlns="">
         <p15:guide id="1" orient="horz" pos="3368">
           <p15:clr>
             <a:srgbClr val="A4A3A4"/>
@@ -360,7 +360,7 @@
             <a:fld id="{6A910C89-C20C-48F1-8B45-659555E59ADB}" type="slidenum">
               <a:rPr lang="en-GB" smtClean="0"/>
               <a:pPr/>
-              <a:t>‹nr.›</a:t>
+              <a:t>‹#›</a:t>
             </a:fld>
             <a:endParaRPr lang="en-GB"/>
           </a:p>
@@ -527,7 +527,7 @@
             <a:fld id="{6A910C89-C20C-48F1-8B45-659555E59ADB}" type="slidenum">
               <a:rPr lang="en-GB" smtClean="0"/>
               <a:pPr/>
-              <a:t>‹nr.›</a:t>
+              <a:t>‹#›</a:t>
             </a:fld>
             <a:endParaRPr lang="en-GB"/>
           </a:p>
@@ -704,7 +704,7 @@
             <a:fld id="{6A910C89-C20C-48F1-8B45-659555E59ADB}" type="slidenum">
               <a:rPr lang="en-GB" smtClean="0"/>
               <a:pPr/>
-              <a:t>‹nr.›</a:t>
+              <a:t>‹#›</a:t>
             </a:fld>
             <a:endParaRPr lang="en-GB"/>
           </a:p>
@@ -871,7 +871,7 @@
             <a:fld id="{6A910C89-C20C-48F1-8B45-659555E59ADB}" type="slidenum">
               <a:rPr lang="en-GB" smtClean="0"/>
               <a:pPr/>
-              <a:t>‹nr.›</a:t>
+              <a:t>‹#›</a:t>
             </a:fld>
             <a:endParaRPr lang="en-GB"/>
           </a:p>
@@ -1114,7 +1114,7 @@
             <a:fld id="{6A910C89-C20C-48F1-8B45-659555E59ADB}" type="slidenum">
               <a:rPr lang="en-GB" smtClean="0"/>
               <a:pPr/>
-              <a:t>‹nr.›</a:t>
+              <a:t>‹#›</a:t>
             </a:fld>
             <a:endParaRPr lang="en-GB"/>
           </a:p>
@@ -1399,7 +1399,7 @@
             <a:fld id="{6A910C89-C20C-48F1-8B45-659555E59ADB}" type="slidenum">
               <a:rPr lang="en-GB" smtClean="0"/>
               <a:pPr/>
-              <a:t>‹nr.›</a:t>
+              <a:t>‹#›</a:t>
             </a:fld>
             <a:endParaRPr lang="en-GB"/>
           </a:p>
@@ -1823,7 +1823,7 @@
             <a:fld id="{6A910C89-C20C-48F1-8B45-659555E59ADB}" type="slidenum">
               <a:rPr lang="en-GB" smtClean="0"/>
               <a:pPr/>
-              <a:t>‹nr.›</a:t>
+              <a:t>‹#›</a:t>
             </a:fld>
             <a:endParaRPr lang="en-GB"/>
           </a:p>
@@ -1938,7 +1938,7 @@
             <a:fld id="{6A910C89-C20C-48F1-8B45-659555E59ADB}" type="slidenum">
               <a:rPr lang="en-GB" smtClean="0"/>
               <a:pPr/>
-              <a:t>‹nr.›</a:t>
+              <a:t>‹#›</a:t>
             </a:fld>
             <a:endParaRPr lang="en-GB"/>
           </a:p>
@@ -2030,7 +2030,7 @@
             <a:fld id="{6A910C89-C20C-48F1-8B45-659555E59ADB}" type="slidenum">
               <a:rPr lang="en-GB" smtClean="0"/>
               <a:pPr/>
-              <a:t>‹nr.›</a:t>
+              <a:t>‹#›</a:t>
             </a:fld>
             <a:endParaRPr lang="en-GB"/>
           </a:p>
@@ -2304,7 +2304,7 @@
             <a:fld id="{6A910C89-C20C-48F1-8B45-659555E59ADB}" type="slidenum">
               <a:rPr lang="en-GB" smtClean="0"/>
               <a:pPr/>
-              <a:t>‹nr.›</a:t>
+              <a:t>‹#›</a:t>
             </a:fld>
             <a:endParaRPr lang="en-GB"/>
           </a:p>
@@ -2554,7 +2554,7 @@
             <a:fld id="{6A910C89-C20C-48F1-8B45-659555E59ADB}" type="slidenum">
               <a:rPr lang="en-GB" smtClean="0"/>
               <a:pPr/>
-              <a:t>‹nr.›</a:t>
+              <a:t>‹#›</a:t>
             </a:fld>
             <a:endParaRPr lang="en-GB"/>
           </a:p>
@@ -2800,7 +2800,7 @@
             <a:fld id="{6A910C89-C20C-48F1-8B45-659555E59ADB}" type="slidenum">
               <a:rPr lang="en-GB" smtClean="0"/>
               <a:pPr/>
-              <a:t>‹nr.›</a:t>
+              <a:t>‹#›</a:t>
             </a:fld>
             <a:endParaRPr lang="en-GB"/>
           </a:p>
@@ -4023,7 +4023,7 @@
           <a:blip r:embed="rId11" cstate="print">
             <a:extLst>
               <a:ext uri="{28A0092B-C50C-407E-A947-70E740481C1C}">
-                <a14:useLocalDpi xmlns:a14="http://schemas.microsoft.com/office/drawing/2010/main" val="0"/>
+                <a14:useLocalDpi xmlns:a14="http://schemas.microsoft.com/office/drawing/2010/main" xmlns="" val="0"/>
               </a:ext>
             </a:extLst>
           </a:blip>
@@ -4107,7 +4107,7 @@
           <a:blip r:embed="rId12" cstate="print">
             <a:extLst>
               <a:ext uri="{28A0092B-C50C-407E-A947-70E740481C1C}">
-                <a14:useLocalDpi xmlns:a14="http://schemas.microsoft.com/office/drawing/2010/main" val="0"/>
+                <a14:useLocalDpi xmlns:a14="http://schemas.microsoft.com/office/drawing/2010/main" xmlns="" val="0"/>
               </a:ext>
             </a:extLst>
           </a:blip>
@@ -4137,7 +4137,7 @@
           <a:blip r:embed="rId13" cstate="print">
             <a:extLst>
               <a:ext uri="{28A0092B-C50C-407E-A947-70E740481C1C}">
-                <a14:useLocalDpi xmlns:a14="http://schemas.microsoft.com/office/drawing/2010/main" val="0"/>
+                <a14:useLocalDpi xmlns:a14="http://schemas.microsoft.com/office/drawing/2010/main" xmlns="" val="0"/>
               </a:ext>
             </a:extLst>
           </a:blip>
@@ -4762,15 +4762,12 @@
             <a:avLst>
               <a:gd name="adj1" fmla="val 82242"/>
               <a:gd name="adj2" fmla="val -6716"/>
-              <a:gd name="adj3" fmla="val 42912"/>
-              <a:gd name="adj4" fmla="val -28143"/>
+              <a:gd name="adj3" fmla="val 58493"/>
+              <a:gd name="adj4" fmla="val -30740"/>
             </a:avLst>
           </a:prstGeom>
           <a:solidFill>
-            <a:schemeClr val="accent2">
-              <a:lumMod val="60000"/>
-              <a:lumOff val="40000"/>
-            </a:schemeClr>
+            <a:schemeClr val="bg1"/>
           </a:solidFill>
           <a:ln>
             <a:solidFill>
@@ -4878,21 +4875,18 @@
         <p:spPr>
           <a:xfrm rot="10800000">
             <a:off x="1692399" y="1674292"/>
-            <a:ext cx="864096" cy="360040"/>
+            <a:ext cx="864096" cy="216024"/>
           </a:xfrm>
           <a:prstGeom prst="accentCallout1">
             <a:avLst>
               <a:gd name="adj1" fmla="val 87321"/>
               <a:gd name="adj2" fmla="val -6717"/>
-              <a:gd name="adj3" fmla="val 41896"/>
-              <a:gd name="adj4" fmla="val -28990"/>
+              <a:gd name="adj3" fmla="val 63321"/>
+              <a:gd name="adj4" fmla="val -26393"/>
             </a:avLst>
           </a:prstGeom>
           <a:solidFill>
-            <a:schemeClr val="accent2">
-              <a:lumMod val="60000"/>
-              <a:lumOff val="40000"/>
-            </a:schemeClr>
+            <a:schemeClr val="bg1"/>
           </a:solidFill>
           <a:ln>
             <a:solidFill>
@@ -5455,6 +5449,48 @@
           </a:fontRef>
         </p:style>
       </p:cxnSp>
+      <p:sp>
+        <p:nvSpPr>
+          <p:cNvPr id="57" name="Arc 56"/>
+          <p:cNvSpPr/>
+          <p:nvPr/>
+        </p:nvSpPr>
+        <p:spPr>
+          <a:xfrm rot="12629262" flipV="1">
+            <a:off x="2791627" y="1712260"/>
+            <a:ext cx="90408" cy="160637"/>
+          </a:xfrm>
+          <a:prstGeom prst="arc">
+            <a:avLst>
+              <a:gd name="adj1" fmla="val 14775779"/>
+              <a:gd name="adj2" fmla="val 7508382"/>
+            </a:avLst>
+          </a:prstGeom>
+          <a:effectLst/>
+        </p:spPr>
+        <p:style>
+          <a:lnRef idx="2">
+            <a:schemeClr val="accent6"/>
+          </a:lnRef>
+          <a:fillRef idx="0">
+            <a:schemeClr val="accent6"/>
+          </a:fillRef>
+          <a:effectRef idx="1">
+            <a:schemeClr val="accent6"/>
+          </a:effectRef>
+          <a:fontRef idx="minor">
+            <a:schemeClr val="tx1"/>
+          </a:fontRef>
+        </p:style>
+        <p:txBody>
+          <a:bodyPr rtlCol="0" anchor="ctr"/>
+          <a:lstStyle/>
+          <a:p>
+            <a:pPr algn="ctr"/>
+            <a:endParaRPr lang="en-GB"/>
+          </a:p>
+        </p:txBody>
+      </p:sp>
     </p:spTree>
   </p:cSld>
   <p:clrMapOvr>
